--- a/explanatory_note_marsel/Презентация.pptx
+++ b/explanatory_note_marsel/Презентация.pptx
@@ -154,10 +154,17 @@
 
 <file path=ppt/charts/chart1.xml><?xml version="1.0" encoding="utf-8"?>
 <c:chartSpace xmlns:c="http://schemas.openxmlformats.org/drawingml/2006/chart" xmlns:a="http://schemas.openxmlformats.org/drawingml/2006/main" xmlns:r="http://schemas.openxmlformats.org/officeDocument/2006/relationships">
-  <c:date1904 val="1"/>
+  <c:date1904 val="0"/>
   <c:lang val="ru-RU"/>
   <c:roundedCorners val="1"/>
-  <c:style val="26"/>
+  <mc:AlternateContent xmlns:mc="http://schemas.openxmlformats.org/markup-compatibility/2006">
+    <mc:Choice xmlns:c14="http://schemas.microsoft.com/office/drawing/2007/8/2/chart" Requires="c14">
+      <c14:style val="126"/>
+    </mc:Choice>
+    <mc:Fallback>
+      <c:style val="26"/>
+    </mc:Fallback>
+  </mc:AlternateContent>
   <c:chart>
     <c:autoTitleDeleted val="1"/>
     <c:plotArea>
@@ -539,11 +546,19 @@
           </c:yVal>
           <c:smooth val="1"/>
         </c:ser>
-        <c:axId val="41904000"/>
-        <c:axId val="43151360"/>
+        <c:dLbls>
+          <c:showLegendKey val="0"/>
+          <c:showVal val="0"/>
+          <c:showCatName val="0"/>
+          <c:showSerName val="0"/>
+          <c:showPercent val="0"/>
+          <c:showBubbleSize val="0"/>
+        </c:dLbls>
+        <c:axId val="75482240"/>
+        <c:axId val="75488000"/>
       </c:scatterChart>
       <c:valAx>
-        <c:axId val="41904000"/>
+        <c:axId val="75482240"/>
         <c:scaling>
           <c:logBase val="2"/>
           <c:orientation val="minMax"/>
@@ -581,13 +596,13 @@
         <c:majorTickMark val="cross"/>
         <c:minorTickMark val="cross"/>
         <c:tickLblPos val="none"/>
-        <c:crossAx val="43151360"/>
+        <c:crossAx val="75488000"/>
         <c:crosses val="autoZero"/>
         <c:crossBetween val="midCat"/>
         <c:majorUnit val="2"/>
       </c:valAx>
       <c:valAx>
-        <c:axId val="43151360"/>
+        <c:axId val="75488000"/>
         <c:scaling>
           <c:orientation val="minMax"/>
         </c:scaling>
@@ -624,7 +639,7 @@
         <c:majorTickMark val="cross"/>
         <c:minorTickMark val="cross"/>
         <c:tickLblPos val="none"/>
-        <c:crossAx val="41904000"/>
+        <c:crossAx val="75482240"/>
         <c:crosses val="autoZero"/>
         <c:crossBetween val="midCat"/>
       </c:valAx>
@@ -656,10 +671,17 @@
 
 <file path=ppt/charts/chart2.xml><?xml version="1.0" encoding="utf-8"?>
 <c:chartSpace xmlns:c="http://schemas.openxmlformats.org/drawingml/2006/chart" xmlns:a="http://schemas.openxmlformats.org/drawingml/2006/main" xmlns:r="http://schemas.openxmlformats.org/officeDocument/2006/relationships">
-  <c:date1904 val="1"/>
+  <c:date1904 val="0"/>
   <c:lang val="ru-RU"/>
   <c:roundedCorners val="1"/>
-  <c:style val="26"/>
+  <mc:AlternateContent xmlns:mc="http://schemas.openxmlformats.org/markup-compatibility/2006">
+    <mc:Choice xmlns:c14="http://schemas.microsoft.com/office/drawing/2007/8/2/chart" Requires="c14">
+      <c14:style val="126"/>
+    </mc:Choice>
+    <mc:Fallback>
+      <c:style val="26"/>
+    </mc:Fallback>
+  </mc:AlternateContent>
   <c:chart>
     <c:autoTitleDeleted val="1"/>
     <c:plotArea>
@@ -1041,11 +1063,19 @@
           </c:yVal>
           <c:smooth val="1"/>
         </c:ser>
-        <c:axId val="45709568"/>
-        <c:axId val="45724032"/>
+        <c:dLbls>
+          <c:showLegendKey val="0"/>
+          <c:showVal val="0"/>
+          <c:showCatName val="0"/>
+          <c:showSerName val="0"/>
+          <c:showPercent val="0"/>
+          <c:showBubbleSize val="0"/>
+        </c:dLbls>
+        <c:axId val="44564480"/>
+        <c:axId val="44565056"/>
       </c:scatterChart>
       <c:valAx>
-        <c:axId val="45709568"/>
+        <c:axId val="44564480"/>
         <c:scaling>
           <c:logBase val="2"/>
           <c:orientation val="minMax"/>
@@ -1083,13 +1113,13 @@
         <c:majorTickMark val="cross"/>
         <c:minorTickMark val="cross"/>
         <c:tickLblPos val="none"/>
-        <c:crossAx val="45724032"/>
+        <c:crossAx val="44565056"/>
         <c:crosses val="autoZero"/>
         <c:crossBetween val="midCat"/>
         <c:majorUnit val="2"/>
       </c:valAx>
       <c:valAx>
-        <c:axId val="45724032"/>
+        <c:axId val="44565056"/>
         <c:scaling>
           <c:logBase val="10"/>
           <c:orientation val="minMax"/>
@@ -1131,7 +1161,7 @@
         <c:majorTickMark val="cross"/>
         <c:minorTickMark val="cross"/>
         <c:tickLblPos val="none"/>
-        <c:crossAx val="45709568"/>
+        <c:crossAx val="44564480"/>
         <c:crosses val="autoZero"/>
         <c:crossBetween val="midCat"/>
       </c:valAx>
@@ -1173,10 +1203,17 @@
 
 <file path=ppt/charts/chart3.xml><?xml version="1.0" encoding="utf-8"?>
 <c:chartSpace xmlns:c="http://schemas.openxmlformats.org/drawingml/2006/chart" xmlns:a="http://schemas.openxmlformats.org/drawingml/2006/main" xmlns:r="http://schemas.openxmlformats.org/officeDocument/2006/relationships">
-  <c:date1904 val="1"/>
+  <c:date1904 val="0"/>
   <c:lang val="ru-RU"/>
   <c:roundedCorners val="1"/>
-  <c:style val="26"/>
+  <mc:AlternateContent xmlns:mc="http://schemas.openxmlformats.org/markup-compatibility/2006">
+    <mc:Choice xmlns:c14="http://schemas.microsoft.com/office/drawing/2007/8/2/chart" Requires="c14">
+      <c14:style val="126"/>
+    </mc:Choice>
+    <mc:Fallback>
+      <c:style val="26"/>
+    </mc:Fallback>
+  </mc:AlternateContent>
   <c:chart>
     <c:autoTitleDeleted val="1"/>
     <c:plotArea>
@@ -1558,11 +1595,19 @@
           </c:yVal>
           <c:smooth val="1"/>
         </c:ser>
-        <c:axId val="40143104"/>
-        <c:axId val="40198528"/>
+        <c:dLbls>
+          <c:showLegendKey val="0"/>
+          <c:showVal val="0"/>
+          <c:showCatName val="0"/>
+          <c:showSerName val="0"/>
+          <c:showPercent val="0"/>
+          <c:showBubbleSize val="0"/>
+        </c:dLbls>
+        <c:axId val="44567360"/>
+        <c:axId val="44567936"/>
       </c:scatterChart>
       <c:valAx>
-        <c:axId val="40143104"/>
+        <c:axId val="44567360"/>
         <c:scaling>
           <c:logBase val="2"/>
           <c:orientation val="minMax"/>
@@ -1600,13 +1645,13 @@
         <c:majorTickMark val="cross"/>
         <c:minorTickMark val="cross"/>
         <c:tickLblPos val="none"/>
-        <c:crossAx val="40198528"/>
+        <c:crossAx val="44567936"/>
         <c:crosses val="autoZero"/>
         <c:crossBetween val="midCat"/>
         <c:majorUnit val="2"/>
       </c:valAx>
       <c:valAx>
-        <c:axId val="40198528"/>
+        <c:axId val="44567936"/>
         <c:scaling>
           <c:orientation val="minMax"/>
         </c:scaling>
@@ -1643,7 +1688,7 @@
         <c:majorTickMark val="cross"/>
         <c:minorTickMark val="cross"/>
         <c:tickLblPos val="none"/>
-        <c:crossAx val="40143104"/>
+        <c:crossAx val="44567360"/>
         <c:crosses val="autoZero"/>
         <c:crossBetween val="midCat"/>
       </c:valAx>
@@ -1675,10 +1720,17 @@
 
 <file path=ppt/charts/chart4.xml><?xml version="1.0" encoding="utf-8"?>
 <c:chartSpace xmlns:c="http://schemas.openxmlformats.org/drawingml/2006/chart" xmlns:a="http://schemas.openxmlformats.org/drawingml/2006/main" xmlns:r="http://schemas.openxmlformats.org/officeDocument/2006/relationships">
-  <c:date1904 val="1"/>
+  <c:date1904 val="0"/>
   <c:lang val="ru-RU"/>
   <c:roundedCorners val="1"/>
-  <c:style val="26"/>
+  <mc:AlternateContent xmlns:mc="http://schemas.openxmlformats.org/markup-compatibility/2006">
+    <mc:Choice xmlns:c14="http://schemas.microsoft.com/office/drawing/2007/8/2/chart" Requires="c14">
+      <c14:style val="126"/>
+    </mc:Choice>
+    <mc:Fallback>
+      <c:style val="26"/>
+    </mc:Fallback>
+  </mc:AlternateContent>
   <c:chart>
     <c:autoTitleDeleted val="1"/>
     <c:plotArea>
@@ -2060,11 +2112,19 @@
           </c:yVal>
           <c:smooth val="1"/>
         </c:ser>
-        <c:axId val="45823872"/>
-        <c:axId val="45858816"/>
+        <c:dLbls>
+          <c:showLegendKey val="0"/>
+          <c:showVal val="0"/>
+          <c:showCatName val="0"/>
+          <c:showSerName val="0"/>
+          <c:showPercent val="0"/>
+          <c:showBubbleSize val="0"/>
+        </c:dLbls>
+        <c:axId val="44569664"/>
+        <c:axId val="44570240"/>
       </c:scatterChart>
       <c:valAx>
-        <c:axId val="45823872"/>
+        <c:axId val="44569664"/>
         <c:scaling>
           <c:logBase val="2"/>
           <c:orientation val="minMax"/>
@@ -2102,13 +2162,13 @@
         <c:majorTickMark val="cross"/>
         <c:minorTickMark val="cross"/>
         <c:tickLblPos val="none"/>
-        <c:crossAx val="45858816"/>
+        <c:crossAx val="44570240"/>
         <c:crosses val="autoZero"/>
         <c:crossBetween val="midCat"/>
         <c:majorUnit val="2"/>
       </c:valAx>
       <c:valAx>
-        <c:axId val="45858816"/>
+        <c:axId val="44570240"/>
         <c:scaling>
           <c:logBase val="10"/>
           <c:orientation val="minMax"/>
@@ -2146,7 +2206,7 @@
         <c:majorTickMark val="cross"/>
         <c:minorTickMark val="cross"/>
         <c:tickLblPos val="none"/>
-        <c:crossAx val="45823872"/>
+        <c:crossAx val="44569664"/>
         <c:crosses val="autoZero"/>
         <c:crossBetween val="midCat"/>
       </c:valAx>
@@ -2725,7 +2785,7 @@
               <a:pPr>
                 <a:defRPr/>
               </a:pPr>
-              <a:t>07.06.2016</a:t>
+              <a:t>08.06.2016</a:t>
             </a:fld>
             <a:endParaRPr lang="ru-RU"/>
           </a:p>
@@ -2921,6 +2981,11 @@
         </p:txBody>
       </p:sp>
     </p:spTree>
+    <p:extLst>
+      <p:ext uri="{BB962C8B-B14F-4D97-AF65-F5344CB8AC3E}">
+        <p14:creationId xmlns:p14="http://schemas.microsoft.com/office/powerpoint/2010/main" val="3179534684"/>
+      </p:ext>
+    </p:extLst>
   </p:cSld>
   <p:clrMap bg1="lt1" tx1="dk1" bg2="lt2" tx2="dk2" accent1="accent1" accent2="accent2" accent3="accent3" accent4="accent4" accent5="accent5" accent6="accent6" hlink="hlink" folHlink="folHlink"/>
   <p:notesStyle>
@@ -3501,7 +3566,7 @@
               <a:pPr>
                 <a:defRPr/>
               </a:pPr>
-              <a:t>07.06.2016</a:t>
+              <a:t>08.06.2016</a:t>
             </a:fld>
             <a:endParaRPr lang="ru-RU"/>
           </a:p>
@@ -3693,7 +3758,7 @@
               <a:pPr>
                 <a:defRPr/>
               </a:pPr>
-              <a:t>07.06.2016</a:t>
+              <a:t>08.06.2016</a:t>
             </a:fld>
             <a:endParaRPr lang="ru-RU"/>
           </a:p>
@@ -3895,7 +3960,7 @@
               <a:pPr>
                 <a:defRPr/>
               </a:pPr>
-              <a:t>07.06.2016</a:t>
+              <a:t>08.06.2016</a:t>
             </a:fld>
             <a:endParaRPr lang="ru-RU"/>
           </a:p>
@@ -4087,7 +4152,7 @@
               <a:pPr>
                 <a:defRPr/>
               </a:pPr>
-              <a:t>07.06.2016</a:t>
+              <a:t>08.06.2016</a:t>
             </a:fld>
             <a:endParaRPr lang="ru-RU"/>
           </a:p>
@@ -4355,7 +4420,7 @@
               <a:pPr>
                 <a:defRPr/>
               </a:pPr>
-              <a:t>07.06.2016</a:t>
+              <a:t>08.06.2016</a:t>
             </a:fld>
             <a:endParaRPr lang="ru-RU"/>
           </a:p>
@@ -4665,7 +4730,7 @@
               <a:pPr>
                 <a:defRPr/>
               </a:pPr>
-              <a:t>07.06.2016</a:t>
+              <a:t>08.06.2016</a:t>
             </a:fld>
             <a:endParaRPr lang="ru-RU"/>
           </a:p>
@@ -5109,7 +5174,7 @@
               <a:pPr>
                 <a:defRPr/>
               </a:pPr>
-              <a:t>07.06.2016</a:t>
+              <a:t>08.06.2016</a:t>
             </a:fld>
             <a:endParaRPr lang="ru-RU"/>
           </a:p>
@@ -5249,7 +5314,7 @@
               <a:pPr>
                 <a:defRPr/>
               </a:pPr>
-              <a:t>07.06.2016</a:t>
+              <a:t>08.06.2016</a:t>
             </a:fld>
             <a:endParaRPr lang="ru-RU"/>
           </a:p>
@@ -5366,7 +5431,7 @@
               <a:pPr>
                 <a:defRPr/>
               </a:pPr>
-              <a:t>07.06.2016</a:t>
+              <a:t>08.06.2016</a:t>
             </a:fld>
             <a:endParaRPr lang="ru-RU"/>
           </a:p>
@@ -5665,7 +5730,7 @@
               <a:pPr>
                 <a:defRPr/>
               </a:pPr>
-              <a:t>07.06.2016</a:t>
+              <a:t>08.06.2016</a:t>
             </a:fld>
             <a:endParaRPr lang="ru-RU"/>
           </a:p>
@@ -5943,7 +6008,7 @@
               <a:pPr>
                 <a:defRPr/>
               </a:pPr>
-              <a:t>07.06.2016</a:t>
+              <a:t>08.06.2016</a:t>
             </a:fld>
             <a:endParaRPr lang="ru-RU"/>
           </a:p>
@@ -6199,7 +6264,7 @@
               <a:pPr>
                 <a:defRPr/>
               </a:pPr>
-              <a:t>07.06.2016</a:t>
+              <a:t>08.06.2016</a:t>
             </a:fld>
             <a:endParaRPr lang="ru-RU"/>
           </a:p>
@@ -6978,7 +7043,7 @@
         </p:nvGraphicFramePr>
         <p:xfrm>
           <a:off x="500063" y="1285875"/>
-          <a:ext cx="7643812" cy="973138"/>
+          <a:ext cx="7643866" cy="972515"/>
         </p:xfrm>
         <a:graphic>
           <a:graphicData uri="http://schemas.openxmlformats.org/drawingml/2006/table">
@@ -7475,11 +7540,6 @@
               </a:rPr>
               <a:t>График 3</a:t>
             </a:r>
-            <a:endParaRPr lang="ru-RU" sz="4400" dirty="0">
-              <a:latin typeface="Times New Roman" pitchFamily="18" charset="0"/>
-              <a:ea typeface="+mj-ea"/>
-              <a:cs typeface="Times New Roman" pitchFamily="18" charset="0"/>
-            </a:endParaRPr>
           </a:p>
         </p:txBody>
       </p:sp>
@@ -7536,11 +7596,6 @@
               </a:rPr>
               <a:t>График 4</a:t>
             </a:r>
-            <a:endParaRPr lang="ru-RU" sz="4400" dirty="0">
-              <a:latin typeface="Times New Roman" pitchFamily="18" charset="0"/>
-              <a:ea typeface="+mj-ea"/>
-              <a:cs typeface="Times New Roman" pitchFamily="18" charset="0"/>
-            </a:endParaRPr>
           </a:p>
         </p:txBody>
       </p:sp>
@@ -7682,9 +7737,59 @@
         </p:xfrm>
         <a:graphic>
           <a:graphicData uri="http://schemas.openxmlformats.org/presentationml/2006/ole">
-            <p:oleObj spid="_x0000_s1030" name="Visio" r:id="rId3" imgW="6765587" imgH="7784261" progId="">
-              <p:embed/>
-            </p:oleObj>
+            <mc:AlternateContent xmlns:mc="http://schemas.openxmlformats.org/markup-compatibility/2006">
+              <mc:Choice xmlns:v="urn:schemas-microsoft-com:vml" Requires="v">
+                <p:oleObj spid="_x0000_s1033" name="Visio" r:id="rId3" imgW="6765587" imgH="7784261" progId="">
+                  <p:embed/>
+                </p:oleObj>
+              </mc:Choice>
+              <mc:Fallback>
+                <p:oleObj name="Visio" r:id="rId3" imgW="6765587" imgH="7784261" progId="">
+                  <p:embed/>
+                  <p:pic>
+                    <p:nvPicPr>
+                      <p:cNvPr id="0" name="Picture 6"/>
+                      <p:cNvPicPr>
+                        <a:picLocks noChangeAspect="1" noChangeArrowheads="1"/>
+                      </p:cNvPicPr>
+                      <p:nvPr/>
+                    </p:nvPicPr>
+                    <p:blipFill>
+                      <a:blip r:embed="rId4">
+                        <a:extLst>
+                          <a:ext uri="{28A0092B-C50C-407E-A947-70E740481C1C}">
+                            <a14:useLocalDpi xmlns:a14="http://schemas.microsoft.com/office/drawing/2010/main" val="0"/>
+                          </a:ext>
+                        </a:extLst>
+                      </a:blip>
+                      <a:srcRect/>
+                      <a:stretch>
+                        <a:fillRect/>
+                      </a:stretch>
+                    </p:blipFill>
+                    <p:spPr bwMode="auto">
+                      <a:xfrm>
+                        <a:off x="2051050" y="1328738"/>
+                        <a:ext cx="4619625" cy="5314950"/>
+                      </a:xfrm>
+                      <a:prstGeom prst="rect">
+                        <a:avLst/>
+                      </a:prstGeom>
+                      <a:noFill/>
+                      <a:extLst>
+                        <a:ext uri="{909E8E84-426E-40DD-AFC4-6F175D3DCCD1}">
+                          <a14:hiddenFill xmlns:a14="http://schemas.microsoft.com/office/drawing/2010/main">
+                            <a:solidFill>
+                              <a:srgbClr val="FFFFFF"/>
+                            </a:solidFill>
+                          </a14:hiddenFill>
+                        </a:ext>
+                      </a:extLst>
+                    </p:spPr>
+                  </p:pic>
+                </p:oleObj>
+              </mc:Fallback>
+            </mc:AlternateContent>
           </a:graphicData>
         </a:graphic>
       </p:graphicFrame>
@@ -7725,11 +7830,6 @@
               </a:rPr>
               <a:t>Рисунок 6</a:t>
             </a:r>
-            <a:endParaRPr lang="ru-RU" sz="4400" dirty="0">
-              <a:latin typeface="Times New Roman" pitchFamily="18" charset="0"/>
-              <a:ea typeface="+mj-ea"/>
-              <a:cs typeface="Times New Roman" pitchFamily="18" charset="0"/>
-            </a:endParaRPr>
           </a:p>
         </p:txBody>
       </p:sp>
@@ -8379,7 +8479,7 @@
         </p:spPr>
         <p:txBody>
           <a:bodyPr rtlCol="0">
-            <a:normAutofit lnSpcReduction="10000"/>
+            <a:normAutofit/>
           </a:bodyPr>
           <a:lstStyle/>
           <a:p>
@@ -8395,49 +8495,84 @@
               <a:defRPr/>
             </a:pPr>
             <a:r>
-              <a:rPr lang="ru-RU" dirty="0" smtClean="0">
-                <a:latin typeface="Times New Roman" pitchFamily="18" charset="0"/>
-                <a:cs typeface="Times New Roman" pitchFamily="18" charset="0"/>
-              </a:rPr>
-              <a:t>изучены подход </a:t>
-            </a:r>
-            <a:r>
-              <a:rPr lang="en-US" dirty="0" smtClean="0">
+              <a:rPr lang="ru-RU" sz="2200" dirty="0">
+                <a:latin typeface="Times New Roman" pitchFamily="18" charset="0"/>
+                <a:cs typeface="Times New Roman" pitchFamily="18" charset="0"/>
+              </a:rPr>
+              <a:t>И</a:t>
+            </a:r>
+            <a:r>
+              <a:rPr lang="ru-RU" sz="2200" dirty="0" smtClean="0">
+                <a:latin typeface="Times New Roman" pitchFamily="18" charset="0"/>
+                <a:cs typeface="Times New Roman" pitchFamily="18" charset="0"/>
+              </a:rPr>
+              <a:t>зучены </a:t>
+            </a:r>
+            <a:r>
+              <a:rPr lang="ru-RU" sz="2200" dirty="0" smtClean="0">
+                <a:latin typeface="Times New Roman" pitchFamily="18" charset="0"/>
+                <a:cs typeface="Times New Roman" pitchFamily="18" charset="0"/>
+              </a:rPr>
+              <a:t>подход </a:t>
+            </a:r>
+            <a:r>
+              <a:rPr lang="en-US" sz="2200" dirty="0" smtClean="0">
                 <a:latin typeface="Times New Roman" pitchFamily="18" charset="0"/>
                 <a:cs typeface="Times New Roman" pitchFamily="18" charset="0"/>
               </a:rPr>
               <a:t>flat</a:t>
             </a:r>
             <a:r>
-              <a:rPr lang="ru-RU" dirty="0" smtClean="0">
+              <a:rPr lang="ru-RU" sz="2200" dirty="0" smtClean="0">
                 <a:latin typeface="Times New Roman" pitchFamily="18" charset="0"/>
                 <a:cs typeface="Times New Roman" pitchFamily="18" charset="0"/>
               </a:rPr>
               <a:t>-</a:t>
             </a:r>
             <a:r>
-              <a:rPr lang="en-US" dirty="0" smtClean="0">
+              <a:rPr lang="en-US" sz="2200" dirty="0" smtClean="0">
                 <a:latin typeface="Times New Roman" pitchFamily="18" charset="0"/>
                 <a:cs typeface="Times New Roman" pitchFamily="18" charset="0"/>
               </a:rPr>
               <a:t>combining</a:t>
             </a:r>
             <a:r>
-              <a:rPr lang="ru-RU" dirty="0" smtClean="0">
-                <a:latin typeface="Times New Roman" pitchFamily="18" charset="0"/>
-                <a:cs typeface="Times New Roman" pitchFamily="18" charset="0"/>
-              </a:rPr>
-              <a:t> и особенного его реализации в </a:t>
-            </a:r>
-            <a:r>
-              <a:rPr lang="en-US" dirty="0" err="1" smtClean="0">
+              <a:rPr lang="ru-RU" sz="2200" dirty="0" smtClean="0">
+                <a:latin typeface="Times New Roman" pitchFamily="18" charset="0"/>
+                <a:cs typeface="Times New Roman" pitchFamily="18" charset="0"/>
+              </a:rPr>
+              <a:t> и </a:t>
+            </a:r>
+            <a:r>
+              <a:rPr lang="ru-RU" sz="2200" dirty="0" smtClean="0">
+                <a:latin typeface="Times New Roman" pitchFamily="18" charset="0"/>
+                <a:cs typeface="Times New Roman" pitchFamily="18" charset="0"/>
+              </a:rPr>
+              <a:t>особенности </a:t>
+            </a:r>
+            <a:r>
+              <a:rPr lang="ru-RU" sz="2200" dirty="0" smtClean="0">
+                <a:latin typeface="Times New Roman" pitchFamily="18" charset="0"/>
+                <a:cs typeface="Times New Roman" pitchFamily="18" charset="0"/>
+              </a:rPr>
+              <a:t>его </a:t>
+            </a:r>
+            <a:r>
+              <a:rPr lang="ru-RU" sz="2200" dirty="0" smtClean="0">
+                <a:latin typeface="Times New Roman" pitchFamily="18" charset="0"/>
+                <a:cs typeface="Times New Roman" pitchFamily="18" charset="0"/>
+              </a:rPr>
+              <a:t>реализации в </a:t>
+            </a:r>
+            <a:r>
+              <a:rPr lang="en-US" sz="2200" dirty="0" err="1" smtClean="0">
                 <a:latin typeface="Times New Roman" pitchFamily="18" charset="0"/>
                 <a:cs typeface="Times New Roman" pitchFamily="18" charset="0"/>
               </a:rPr>
               <a:t>libcds</a:t>
             </a:r>
             <a:r>
-              <a:rPr lang="ru-RU" dirty="0" smtClean="0">
+              <a:rPr lang="ru-RU" sz="2200" dirty="0" smtClean="0">
                 <a:latin typeface="Times New Roman" pitchFamily="18" charset="0"/>
                 <a:cs typeface="Times New Roman" pitchFamily="18" charset="0"/>
               </a:rPr>
@@ -8457,7 +8592,7 @@
               <a:defRPr/>
             </a:pPr>
             <a:r>
-              <a:rPr lang="ru-RU" dirty="0" smtClean="0">
+              <a:rPr lang="ru-RU" sz="2200" dirty="0" smtClean="0">
                 <a:latin typeface="Times New Roman" pitchFamily="18" charset="0"/>
                 <a:cs typeface="Times New Roman" pitchFamily="18" charset="0"/>
               </a:rPr>
@@ -8477,13 +8612,27 @@
               <a:defRPr/>
             </a:pPr>
             <a:r>
-              <a:rPr lang="ru-RU" dirty="0" smtClean="0">
-                <a:latin typeface="Times New Roman" pitchFamily="18" charset="0"/>
-                <a:cs typeface="Times New Roman" pitchFamily="18" charset="0"/>
-              </a:rPr>
-              <a:t>проведена оценку эффективности использования  разработанных стратегий;</a:t>
-            </a:r>
-            <a:endParaRPr lang="en-US" dirty="0" smtClean="0">
+              <a:rPr lang="ru-RU" sz="2200" dirty="0" smtClean="0">
+                <a:latin typeface="Times New Roman" pitchFamily="18" charset="0"/>
+                <a:cs typeface="Times New Roman" pitchFamily="18" charset="0"/>
+              </a:rPr>
+              <a:t>П</a:t>
+            </a:r>
+            <a:r>
+              <a:rPr lang="ru-RU" sz="2200" dirty="0" smtClean="0">
+                <a:latin typeface="Times New Roman" pitchFamily="18" charset="0"/>
+                <a:cs typeface="Times New Roman" pitchFamily="18" charset="0"/>
+              </a:rPr>
+              <a:t>роведена </a:t>
+            </a:r>
+            <a:r>
+              <a:rPr lang="ru-RU" sz="2200" dirty="0" smtClean="0">
+                <a:latin typeface="Times New Roman" pitchFamily="18" charset="0"/>
+                <a:cs typeface="Times New Roman" pitchFamily="18" charset="0"/>
+              </a:rPr>
+              <a:t>оценку эффективности использования  разработанных стратегий;</a:t>
+            </a:r>
+            <a:endParaRPr lang="en-US" sz="2200" dirty="0" smtClean="0">
               <a:latin typeface="Times New Roman" pitchFamily="18" charset="0"/>
               <a:cs typeface="Times New Roman" pitchFamily="18" charset="0"/>
             </a:endParaRPr>
@@ -8501,12 +8650,95 @@
               <a:defRPr/>
             </a:pPr>
             <a:r>
-              <a:rPr lang="ru-RU" dirty="0" smtClean="0">
-                <a:latin typeface="Times New Roman" pitchFamily="18" charset="0"/>
-                <a:cs typeface="Times New Roman" pitchFamily="18" charset="0"/>
-              </a:rPr>
-              <a:t>Разработана адаптивная стратегия синхронизации</a:t>
-            </a:r>
+              <a:rPr lang="ru-RU" sz="2200" dirty="0" smtClean="0">
+                <a:latin typeface="Times New Roman" pitchFamily="18" charset="0"/>
+                <a:cs typeface="Times New Roman" pitchFamily="18" charset="0"/>
+              </a:rPr>
+              <a:t>Разработана адаптивная стратегия </a:t>
+            </a:r>
+            <a:r>
+              <a:rPr lang="ru-RU" sz="2200" dirty="0" smtClean="0">
+                <a:latin typeface="Times New Roman" pitchFamily="18" charset="0"/>
+                <a:cs typeface="Times New Roman" pitchFamily="18" charset="0"/>
+              </a:rPr>
+              <a:t>синхронизации</a:t>
+            </a:r>
+          </a:p>
+          <a:p>
+            <a:pPr fontAlgn="auto">
+              <a:lnSpc>
+                <a:spcPct val="120000"/>
+              </a:lnSpc>
+              <a:spcAft>
+                <a:spcPts val="0"/>
+              </a:spcAft>
+              <a:buFont typeface="Arial" pitchFamily="34" charset="0"/>
+              <a:buChar char="•"/>
+              <a:defRPr/>
+            </a:pPr>
+            <a:r>
+              <a:rPr lang="ru-RU" sz="2200" dirty="0" smtClean="0">
+                <a:latin typeface="Times New Roman" pitchFamily="18" charset="0"/>
+                <a:cs typeface="Times New Roman" pitchFamily="18" charset="0"/>
+              </a:rPr>
+              <a:t>Результаты работы представлены на конференциях </a:t>
+            </a:r>
+            <a:r>
+              <a:rPr lang="en-US" sz="2400" dirty="0"/>
+              <a:t>FRUCT18 </a:t>
+            </a:r>
+            <a:r>
+              <a:rPr lang="ru-RU" sz="2400" dirty="0" smtClean="0"/>
+              <a:t>и </a:t>
+            </a:r>
+            <a:r>
+              <a:rPr lang="ru-RU" sz="2200" dirty="0" smtClean="0">
+                <a:latin typeface="Times New Roman" panose="02020603050405020304" pitchFamily="18" charset="0"/>
+                <a:cs typeface="Times New Roman" panose="02020603050405020304" pitchFamily="18" charset="0"/>
+              </a:rPr>
+              <a:t>«</a:t>
+            </a:r>
+            <a:r>
+              <a:rPr lang="ru-RU" sz="2200" dirty="0">
+                <a:latin typeface="Times New Roman" panose="02020603050405020304" pitchFamily="18" charset="0"/>
+                <a:cs typeface="Times New Roman" panose="02020603050405020304" pitchFamily="18" charset="0"/>
+              </a:rPr>
+              <a:t>Наука и образование: технология успеха»</a:t>
+            </a:r>
+          </a:p>
+          <a:p>
+            <a:pPr fontAlgn="auto">
+              <a:lnSpc>
+                <a:spcPct val="120000"/>
+              </a:lnSpc>
+              <a:spcAft>
+                <a:spcPts val="0"/>
+              </a:spcAft>
+              <a:buFont typeface="Arial" pitchFamily="34" charset="0"/>
+              <a:buChar char="•"/>
+              <a:defRPr/>
+            </a:pPr>
+            <a:endParaRPr lang="ru-RU" sz="2200" dirty="0" smtClean="0">
+              <a:latin typeface="Times New Roman" pitchFamily="18" charset="0"/>
+              <a:cs typeface="Times New Roman" pitchFamily="18" charset="0"/>
+            </a:endParaRPr>
+          </a:p>
+          <a:p>
+            <a:pPr fontAlgn="auto">
+              <a:lnSpc>
+                <a:spcPct val="120000"/>
+              </a:lnSpc>
+              <a:spcAft>
+                <a:spcPts val="0"/>
+              </a:spcAft>
+              <a:buFont typeface="Arial" pitchFamily="34" charset="0"/>
+              <a:buChar char="•"/>
+              <a:defRPr/>
+            </a:pPr>
+            <a:endParaRPr lang="ru-RU" dirty="0" smtClean="0">
+              <a:latin typeface="Times New Roman" pitchFamily="18" charset="0"/>
+              <a:cs typeface="Times New Roman" pitchFamily="18" charset="0"/>
+            </a:endParaRPr>
           </a:p>
         </p:txBody>
       </p:sp>
@@ -8589,7 +8821,7 @@
         </p:spPr>
         <p:txBody>
           <a:bodyPr rtlCol="0">
-            <a:normAutofit fontScale="55000" lnSpcReduction="20000"/>
+            <a:normAutofit fontScale="70000" lnSpcReduction="20000"/>
           </a:bodyPr>
           <a:lstStyle/>
           <a:p>
@@ -8716,28 +8948,56 @@
                 <a:latin typeface="Times New Roman" pitchFamily="18" charset="0"/>
                 <a:cs typeface="Times New Roman" pitchFamily="18" charset="0"/>
               </a:rPr>
-              <a:t>изучить подход </a:t>
-            </a:r>
-            <a:r>
-              <a:rPr lang="en-US" dirty="0" smtClean="0">
+              <a:t>изучить </a:t>
+            </a:r>
+            <a:r>
+              <a:rPr lang="ru-RU" dirty="0" smtClean="0">
+                <a:latin typeface="Times New Roman" pitchFamily="18" charset="0"/>
+                <a:cs typeface="Times New Roman" pitchFamily="18" charset="0"/>
+              </a:rPr>
+              <a:t>особенность реализации </a:t>
+            </a:r>
+            <a:r>
+              <a:rPr lang="en-US" dirty="0">
                 <a:latin typeface="Times New Roman" pitchFamily="18" charset="0"/>
                 <a:cs typeface="Times New Roman" pitchFamily="18" charset="0"/>
               </a:rPr>
               <a:t>flat</a:t>
             </a:r>
             <a:r>
+              <a:rPr lang="ru-RU" dirty="0">
+                <a:latin typeface="Times New Roman" pitchFamily="18" charset="0"/>
+                <a:cs typeface="Times New Roman" pitchFamily="18" charset="0"/>
+              </a:rPr>
+              <a:t>-</a:t>
+            </a:r>
+            <a:r>
+              <a:rPr lang="en-US" dirty="0">
+                <a:latin typeface="Times New Roman" pitchFamily="18" charset="0"/>
+                <a:cs typeface="Times New Roman" pitchFamily="18" charset="0"/>
+              </a:rPr>
+              <a:t>combining </a:t>
+            </a:r>
+            <a:r>
               <a:rPr lang="ru-RU" dirty="0" smtClean="0">
                 <a:latin typeface="Times New Roman" pitchFamily="18" charset="0"/>
                 <a:cs typeface="Times New Roman" pitchFamily="18" charset="0"/>
               </a:rPr>
-              <a:t>-</a:t>
-            </a:r>
-            <a:r>
-              <a:rPr lang="en-US" dirty="0" smtClean="0">
-                <a:latin typeface="Times New Roman" pitchFamily="18" charset="0"/>
-                <a:cs typeface="Times New Roman" pitchFamily="18" charset="0"/>
-              </a:rPr>
-              <a:t>combining</a:t>
+              <a:t>в </a:t>
+            </a:r>
+            <a:r>
+              <a:rPr lang="ru-RU" dirty="0" smtClean="0">
+                <a:latin typeface="Times New Roman" pitchFamily="18" charset="0"/>
+                <a:cs typeface="Times New Roman" pitchFamily="18" charset="0"/>
+              </a:rPr>
+              <a:t>библиотеке </a:t>
+            </a:r>
+            <a:r>
+              <a:rPr lang="en-US" dirty="0" err="1" smtClean="0">
+                <a:latin typeface="Times New Roman" pitchFamily="18" charset="0"/>
+                <a:cs typeface="Times New Roman" pitchFamily="18" charset="0"/>
+              </a:rPr>
+              <a:t>libcds</a:t>
             </a:r>
             <a:r>
               <a:rPr lang="ru-RU" dirty="0" smtClean="0">
@@ -8764,35 +9024,14 @@
                 <a:latin typeface="Times New Roman" pitchFamily="18" charset="0"/>
                 <a:cs typeface="Times New Roman" pitchFamily="18" charset="0"/>
               </a:rPr>
-              <a:t>изучить особенность реализации </a:t>
-            </a:r>
-            <a:r>
-              <a:rPr lang="en-US" dirty="0" smtClean="0">
-                <a:latin typeface="Times New Roman" pitchFamily="18" charset="0"/>
-                <a:cs typeface="Times New Roman" pitchFamily="18" charset="0"/>
-              </a:rPr>
-              <a:t>FC</a:t>
+              <a:t>реализовать </a:t>
             </a:r>
             <a:r>
               <a:rPr lang="ru-RU" dirty="0" smtClean="0">
                 <a:latin typeface="Times New Roman" pitchFamily="18" charset="0"/>
                 <a:cs typeface="Times New Roman" pitchFamily="18" charset="0"/>
               </a:rPr>
-              <a:t> в библиотеке </a:t>
-            </a:r>
-            <a:r>
-              <a:rPr lang="en-US" dirty="0" err="1" smtClean="0">
-                <a:latin typeface="Times New Roman" pitchFamily="18" charset="0"/>
-                <a:cs typeface="Times New Roman" pitchFamily="18" charset="0"/>
-              </a:rPr>
-              <a:t>libcds</a:t>
-            </a:r>
-            <a:r>
-              <a:rPr lang="ru-RU" dirty="0" smtClean="0">
-                <a:latin typeface="Times New Roman" pitchFamily="18" charset="0"/>
-                <a:cs typeface="Times New Roman" pitchFamily="18" charset="0"/>
-              </a:rPr>
-              <a:t>;</a:t>
+              <a:t>стратегии синхронизации;</a:t>
             </a:r>
           </a:p>
           <a:p>
@@ -8812,7 +9051,7 @@
                 <a:latin typeface="Times New Roman" pitchFamily="18" charset="0"/>
                 <a:cs typeface="Times New Roman" pitchFamily="18" charset="0"/>
               </a:rPr>
-              <a:t>разработать стратегии синхронизации;</a:t>
+              <a:t>выбрать параметры оценки эффективности применения стратегий синхронизации;</a:t>
             </a:r>
           </a:p>
           <a:p>
@@ -8832,8 +9071,19 @@
                 <a:latin typeface="Times New Roman" pitchFamily="18" charset="0"/>
                 <a:cs typeface="Times New Roman" pitchFamily="18" charset="0"/>
               </a:rPr>
-              <a:t>реализовать стратегии синхронизации;</a:t>
-            </a:r>
+              <a:t>провести </a:t>
+            </a:r>
+            <a:r>
+              <a:rPr lang="ru-RU" dirty="0" smtClean="0">
+                <a:latin typeface="Times New Roman" pitchFamily="18" charset="0"/>
+                <a:cs typeface="Times New Roman" pitchFamily="18" charset="0"/>
+              </a:rPr>
+              <a:t>оценку эффективности использования стратегий;</a:t>
+            </a:r>
+            <a:endParaRPr lang="en-US" dirty="0" smtClean="0">
+              <a:latin typeface="Times New Roman" pitchFamily="18" charset="0"/>
+              <a:cs typeface="Times New Roman" pitchFamily="18" charset="0"/>
+            </a:endParaRPr>
           </a:p>
           <a:p>
             <a:pPr fontAlgn="auto">
@@ -8848,12 +9098,16 @@
               <a:defRPr/>
             </a:pPr>
             <a:r>
-              <a:rPr lang="ru-RU" dirty="0" smtClean="0">
-                <a:latin typeface="Times New Roman" pitchFamily="18" charset="0"/>
-                <a:cs typeface="Times New Roman" pitchFamily="18" charset="0"/>
-              </a:rPr>
-              <a:t>выбрать параметры оценки эффективности применения стратегий синхронизации;</a:t>
-            </a:r>
+              <a:rPr lang="ru-RU" dirty="0">
+                <a:latin typeface="Times New Roman" panose="02020603050405020304" pitchFamily="18" charset="0"/>
+                <a:cs typeface="Times New Roman" panose="02020603050405020304" pitchFamily="18" charset="0"/>
+              </a:rPr>
+              <a:t>реализовать адаптивную стратегию синхронизации</a:t>
+            </a:r>
+            <a:endParaRPr lang="en-US" dirty="0" smtClean="0">
+              <a:latin typeface="Times New Roman" pitchFamily="18" charset="0"/>
+              <a:cs typeface="Times New Roman" pitchFamily="18" charset="0"/>
+            </a:endParaRPr>
           </a:p>
           <a:p>
             <a:pPr fontAlgn="auto">
@@ -8872,109 +9126,14 @@
                 <a:latin typeface="Times New Roman" pitchFamily="18" charset="0"/>
                 <a:cs typeface="Times New Roman" pitchFamily="18" charset="0"/>
               </a:rPr>
-              <a:t>реализовать тестовые примеры;</a:t>
-            </a:r>
-          </a:p>
-          <a:p>
-            <a:pPr fontAlgn="auto">
-              <a:lnSpc>
-                <a:spcPct val="120000"/>
-              </a:lnSpc>
-              <a:spcAft>
-                <a:spcPts val="0"/>
-              </a:spcAft>
-              <a:buFont typeface="Arial" pitchFamily="34" charset="0"/>
-              <a:buChar char="•"/>
-              <a:defRPr/>
-            </a:pPr>
+              <a:t>внедрить </a:t>
+            </a:r>
             <a:r>
               <a:rPr lang="ru-RU" dirty="0" smtClean="0">
                 <a:latin typeface="Times New Roman" pitchFamily="18" charset="0"/>
                 <a:cs typeface="Times New Roman" pitchFamily="18" charset="0"/>
               </a:rPr>
-              <a:t>провести оценку эффективности использования стратегий;</a:t>
-            </a:r>
-            <a:endParaRPr lang="en-US" dirty="0" smtClean="0">
-              <a:latin typeface="Times New Roman" pitchFamily="18" charset="0"/>
-              <a:cs typeface="Times New Roman" pitchFamily="18" charset="0"/>
-            </a:endParaRPr>
-          </a:p>
-          <a:p>
-            <a:pPr fontAlgn="auto">
-              <a:lnSpc>
-                <a:spcPct val="120000"/>
-              </a:lnSpc>
-              <a:spcAft>
-                <a:spcPts val="0"/>
-              </a:spcAft>
-              <a:buFont typeface="Arial" pitchFamily="34" charset="0"/>
-              <a:buChar char="•"/>
-              <a:defRPr/>
-            </a:pPr>
-            <a:r>
-              <a:rPr lang="ru-RU" dirty="0">
-                <a:latin typeface="Times New Roman" panose="02020603050405020304" pitchFamily="18" charset="0"/>
-                <a:cs typeface="Times New Roman" panose="02020603050405020304" pitchFamily="18" charset="0"/>
-              </a:rPr>
-              <a:t>реализовать адаптивную стратегию синхронизации</a:t>
-            </a:r>
-            <a:endParaRPr lang="en-US" dirty="0" smtClean="0">
-              <a:latin typeface="Times New Roman" pitchFamily="18" charset="0"/>
-              <a:cs typeface="Times New Roman" pitchFamily="18" charset="0"/>
-            </a:endParaRPr>
-          </a:p>
-          <a:p>
-            <a:pPr fontAlgn="auto">
-              <a:lnSpc>
-                <a:spcPct val="120000"/>
-              </a:lnSpc>
-              <a:spcAft>
-                <a:spcPts val="0"/>
-              </a:spcAft>
-              <a:buFont typeface="Arial" pitchFamily="34" charset="0"/>
-              <a:buChar char="•"/>
-              <a:defRPr/>
-            </a:pPr>
-            <a:r>
-              <a:rPr lang="ru-RU" dirty="0" smtClean="0">
-                <a:latin typeface="Times New Roman" pitchFamily="18" charset="0"/>
-                <a:cs typeface="Times New Roman" pitchFamily="18" charset="0"/>
-              </a:rPr>
-              <a:t>реализовать механизм использования стратегий синхронизации в библиотеке </a:t>
-            </a:r>
-            <a:r>
-              <a:rPr lang="en-US" dirty="0" err="1" smtClean="0">
-                <a:latin typeface="Times New Roman" pitchFamily="18" charset="0"/>
-                <a:cs typeface="Times New Roman" pitchFamily="18" charset="0"/>
-              </a:rPr>
-              <a:t>libcds</a:t>
-            </a:r>
-            <a:r>
-              <a:rPr lang="ru-RU" dirty="0" smtClean="0">
-                <a:latin typeface="Times New Roman" pitchFamily="18" charset="0"/>
-                <a:cs typeface="Times New Roman" pitchFamily="18" charset="0"/>
-              </a:rPr>
-              <a:t>;</a:t>
-            </a:r>
-          </a:p>
-          <a:p>
-            <a:pPr fontAlgn="auto">
-              <a:lnSpc>
-                <a:spcPct val="120000"/>
-              </a:lnSpc>
-              <a:spcAft>
-                <a:spcPts val="0"/>
-              </a:spcAft>
-              <a:buFont typeface="Arial" pitchFamily="34" charset="0"/>
-              <a:buChar char="•"/>
-              <a:defRPr/>
-            </a:pPr>
-            <a:r>
-              <a:rPr lang="ru-RU" dirty="0" smtClean="0">
-                <a:latin typeface="Times New Roman" pitchFamily="18" charset="0"/>
-                <a:cs typeface="Times New Roman" pitchFamily="18" charset="0"/>
-              </a:rPr>
-              <a:t>внедрить реализованный механизм и реализованные стратегии синхронизации в библиотеку </a:t>
+              <a:t>реализованный механизм и реализованные стратегии синхронизации в библиотеку </a:t>
             </a:r>
             <a:r>
               <a:rPr lang="en-US" dirty="0" err="1" smtClean="0">
@@ -9132,51 +9291,6 @@
       </p:pic>
       <p:sp>
         <p:nvSpPr>
-          <p:cNvPr id="5" name="Заголовок 1"/>
-          <p:cNvSpPr txBox="1">
-            <a:spLocks/>
-          </p:cNvSpPr>
-          <p:nvPr/>
-        </p:nvSpPr>
-        <p:spPr>
-          <a:xfrm>
-            <a:off x="3929063" y="5429250"/>
-            <a:ext cx="2071687" cy="428625"/>
-          </a:xfrm>
-          <a:prstGeom prst="rect">
-            <a:avLst/>
-          </a:prstGeom>
-        </p:spPr>
-        <p:txBody>
-          <a:bodyPr anchor="ctr">
-            <a:normAutofit fontScale="55000" lnSpcReduction="20000"/>
-          </a:bodyPr>
-          <a:lstStyle/>
-          <a:p>
-            <a:pPr algn="ctr" fontAlgn="auto">
-              <a:spcAft>
-                <a:spcPts val="0"/>
-              </a:spcAft>
-              <a:defRPr/>
-            </a:pPr>
-            <a:r>
-              <a:rPr lang="ru-RU" sz="4400" dirty="0">
-                <a:latin typeface="Times New Roman" pitchFamily="18" charset="0"/>
-                <a:ea typeface="+mj-ea"/>
-                <a:cs typeface="Times New Roman" pitchFamily="18" charset="0"/>
-              </a:rPr>
-              <a:t>Рисунок 1</a:t>
-            </a:r>
-            <a:endParaRPr lang="ru-RU" sz="4400" dirty="0">
-              <a:latin typeface="Times New Roman" pitchFamily="18" charset="0"/>
-              <a:ea typeface="+mj-ea"/>
-              <a:cs typeface="Times New Roman" pitchFamily="18" charset="0"/>
-            </a:endParaRPr>
-          </a:p>
-        </p:txBody>
-      </p:sp>
-      <p:sp>
-        <p:nvSpPr>
           <p:cNvPr id="6" name="Номер слайда 5"/>
           <p:cNvSpPr>
             <a:spLocks noGrp="1"/>
@@ -9257,20 +9371,20 @@
           <a:lstStyle/>
           <a:p>
             <a:r>
-              <a:rPr lang="ru-RU" b="1" smtClean="0">
-                <a:latin typeface="Times New Roman" pitchFamily="18" charset="0"/>
-                <a:cs typeface="Times New Roman" pitchFamily="18" charset="0"/>
-              </a:rPr>
-              <a:t>Обобщенный алгоритм </a:t>
-            </a:r>
-            <a:r>
-              <a:rPr lang="en-US" b="1" smtClean="0">
+              <a:rPr lang="ru-RU" b="1" dirty="0" smtClean="0">
+                <a:latin typeface="Times New Roman" pitchFamily="18" charset="0"/>
+                <a:cs typeface="Times New Roman" pitchFamily="18" charset="0"/>
+              </a:rPr>
+              <a:t>Алгоритм </a:t>
+            </a:r>
+            <a:r>
+              <a:rPr lang="en-US" b="1" dirty="0" smtClean="0">
                 <a:latin typeface="Times New Roman" pitchFamily="18" charset="0"/>
                 <a:cs typeface="Times New Roman" pitchFamily="18" charset="0"/>
               </a:rPr>
               <a:t>FC</a:t>
             </a:r>
-            <a:endParaRPr lang="ru-RU" b="1" smtClean="0">
+            <a:endParaRPr lang="ru-RU" b="1" dirty="0" smtClean="0">
               <a:latin typeface="Times New Roman" pitchFamily="18" charset="0"/>
               <a:cs typeface="Times New Roman" pitchFamily="18" charset="0"/>
             </a:endParaRPr>
@@ -9327,51 +9441,6 @@
               <a:t>4</a:t>
             </a:fld>
             <a:endParaRPr lang="ru-RU" sz="2800" dirty="0"/>
-          </a:p>
-        </p:txBody>
-      </p:sp>
-      <p:sp>
-        <p:nvSpPr>
-          <p:cNvPr id="6" name="Заголовок 1"/>
-          <p:cNvSpPr txBox="1">
-            <a:spLocks/>
-          </p:cNvSpPr>
-          <p:nvPr/>
-        </p:nvSpPr>
-        <p:spPr>
-          <a:xfrm>
-            <a:off x="4000500" y="6215063"/>
-            <a:ext cx="2071688" cy="428625"/>
-          </a:xfrm>
-          <a:prstGeom prst="rect">
-            <a:avLst/>
-          </a:prstGeom>
-        </p:spPr>
-        <p:txBody>
-          <a:bodyPr anchor="ctr">
-            <a:normAutofit fontScale="55000" lnSpcReduction="20000"/>
-          </a:bodyPr>
-          <a:lstStyle/>
-          <a:p>
-            <a:pPr algn="ctr" fontAlgn="auto">
-              <a:spcAft>
-                <a:spcPts val="0"/>
-              </a:spcAft>
-              <a:defRPr/>
-            </a:pPr>
-            <a:r>
-              <a:rPr lang="ru-RU" sz="4400" dirty="0">
-                <a:latin typeface="Times New Roman" pitchFamily="18" charset="0"/>
-                <a:ea typeface="+mj-ea"/>
-                <a:cs typeface="Times New Roman" pitchFamily="18" charset="0"/>
-              </a:rPr>
-              <a:t>Рисунок 2</a:t>
-            </a:r>
-            <a:endParaRPr lang="ru-RU" sz="4400" dirty="0">
-              <a:latin typeface="Times New Roman" pitchFamily="18" charset="0"/>
-              <a:ea typeface="+mj-ea"/>
-              <a:cs typeface="Times New Roman" pitchFamily="18" charset="0"/>
-            </a:endParaRPr>
           </a:p>
         </p:txBody>
       </p:sp>
@@ -9423,11 +9492,39 @@
           <a:lstStyle/>
           <a:p>
             <a:r>
-              <a:rPr lang="ru-RU" b="1" smtClean="0">
-                <a:latin typeface="Times New Roman" pitchFamily="18" charset="0"/>
-                <a:cs typeface="Times New Roman" pitchFamily="18" charset="0"/>
-              </a:rPr>
-              <a:t>Обобщенный алгоритм работы стратегий синхронизации</a:t>
+              <a:rPr lang="ru-RU" b="1" dirty="0" smtClean="0">
+                <a:latin typeface="Times New Roman" pitchFamily="18" charset="0"/>
+                <a:cs typeface="Times New Roman" pitchFamily="18" charset="0"/>
+              </a:rPr>
+              <a:t>Алгоритм работы </a:t>
+            </a:r>
+            <a:r>
+              <a:rPr lang="en-US" b="1" dirty="0" smtClean="0">
+                <a:latin typeface="Times New Roman" pitchFamily="18" charset="0"/>
+                <a:cs typeface="Times New Roman" pitchFamily="18" charset="0"/>
+              </a:rPr>
+              <a:t>FC</a:t>
+            </a:r>
+            <a:r>
+              <a:rPr lang="ru-RU" b="1" dirty="0" smtClean="0">
+                <a:latin typeface="Times New Roman" pitchFamily="18" charset="0"/>
+                <a:cs typeface="Times New Roman" pitchFamily="18" charset="0"/>
+              </a:rPr>
+              <a:t> +</a:t>
+            </a:r>
+            <a:r>
+              <a:rPr lang="ru-RU" b="1" dirty="0" smtClean="0">
+                <a:latin typeface="Times New Roman" pitchFamily="18" charset="0"/>
+                <a:cs typeface="Times New Roman" pitchFamily="18" charset="0"/>
+              </a:rPr>
+              <a:t> стратегий </a:t>
+            </a:r>
+            <a:r>
+              <a:rPr lang="ru-RU" b="1" dirty="0" smtClean="0">
+                <a:latin typeface="Times New Roman" pitchFamily="18" charset="0"/>
+                <a:cs typeface="Times New Roman" pitchFamily="18" charset="0"/>
+              </a:rPr>
+              <a:t>синхронизации</a:t>
             </a:r>
           </a:p>
         </p:txBody>
@@ -9493,51 +9590,6 @@
           </a:p>
         </p:txBody>
       </p:sp>
-      <p:sp>
-        <p:nvSpPr>
-          <p:cNvPr id="8" name="Заголовок 1"/>
-          <p:cNvSpPr txBox="1">
-            <a:spLocks/>
-          </p:cNvSpPr>
-          <p:nvPr/>
-        </p:nvSpPr>
-        <p:spPr>
-          <a:xfrm>
-            <a:off x="4000500" y="6215063"/>
-            <a:ext cx="2071688" cy="428625"/>
-          </a:xfrm>
-          <a:prstGeom prst="rect">
-            <a:avLst/>
-          </a:prstGeom>
-        </p:spPr>
-        <p:txBody>
-          <a:bodyPr anchor="ctr">
-            <a:normAutofit fontScale="55000" lnSpcReduction="20000"/>
-          </a:bodyPr>
-          <a:lstStyle/>
-          <a:p>
-            <a:pPr algn="ctr" fontAlgn="auto">
-              <a:spcAft>
-                <a:spcPts val="0"/>
-              </a:spcAft>
-              <a:defRPr/>
-            </a:pPr>
-            <a:r>
-              <a:rPr lang="ru-RU" sz="4400" dirty="0">
-                <a:latin typeface="Times New Roman" pitchFamily="18" charset="0"/>
-                <a:ea typeface="+mj-ea"/>
-                <a:cs typeface="Times New Roman" pitchFamily="18" charset="0"/>
-              </a:rPr>
-              <a:t>Рисунок 3</a:t>
-            </a:r>
-            <a:endParaRPr lang="ru-RU" sz="4400" dirty="0">
-              <a:latin typeface="Times New Roman" pitchFamily="18" charset="0"/>
-              <a:ea typeface="+mj-ea"/>
-              <a:cs typeface="Times New Roman" pitchFamily="18" charset="0"/>
-            </a:endParaRPr>
-          </a:p>
-        </p:txBody>
-      </p:sp>
     </p:spTree>
   </p:cSld>
   <p:clrMapOvr>
@@ -9648,51 +9700,6 @@
           </a:p>
         </p:txBody>
       </p:sp>
-      <p:sp>
-        <p:nvSpPr>
-          <p:cNvPr id="8" name="Заголовок 1"/>
-          <p:cNvSpPr txBox="1">
-            <a:spLocks/>
-          </p:cNvSpPr>
-          <p:nvPr/>
-        </p:nvSpPr>
-        <p:spPr>
-          <a:xfrm>
-            <a:off x="4000500" y="6215063"/>
-            <a:ext cx="2071688" cy="428625"/>
-          </a:xfrm>
-          <a:prstGeom prst="rect">
-            <a:avLst/>
-          </a:prstGeom>
-        </p:spPr>
-        <p:txBody>
-          <a:bodyPr anchor="ctr">
-            <a:normAutofit fontScale="55000" lnSpcReduction="20000"/>
-          </a:bodyPr>
-          <a:lstStyle/>
-          <a:p>
-            <a:pPr algn="ctr" fontAlgn="auto">
-              <a:spcAft>
-                <a:spcPts val="0"/>
-              </a:spcAft>
-              <a:defRPr/>
-            </a:pPr>
-            <a:r>
-              <a:rPr lang="ru-RU" sz="4400" dirty="0">
-                <a:latin typeface="Times New Roman" pitchFamily="18" charset="0"/>
-                <a:ea typeface="+mj-ea"/>
-                <a:cs typeface="Times New Roman" pitchFamily="18" charset="0"/>
-              </a:rPr>
-              <a:t>Рисунок 4</a:t>
-            </a:r>
-            <a:endParaRPr lang="ru-RU" sz="4400" dirty="0">
-              <a:latin typeface="Times New Roman" pitchFamily="18" charset="0"/>
-              <a:ea typeface="+mj-ea"/>
-              <a:cs typeface="Times New Roman" pitchFamily="18" charset="0"/>
-            </a:endParaRPr>
-          </a:p>
-        </p:txBody>
-      </p:sp>
     </p:spTree>
   </p:cSld>
   <p:clrMapOvr>
@@ -9769,7 +9776,7 @@
         </p:blipFill>
         <p:spPr>
           <a:xfrm>
-            <a:off x="2214563" y="1571625"/>
+            <a:off x="2195736" y="1556792"/>
             <a:ext cx="4854575" cy="4968875"/>
           </a:xfrm>
         </p:spPr>
@@ -9800,51 +9807,6 @@
               <a:t>7</a:t>
             </a:fld>
             <a:endParaRPr lang="ru-RU" sz="2800" dirty="0"/>
-          </a:p>
-        </p:txBody>
-      </p:sp>
-      <p:sp>
-        <p:nvSpPr>
-          <p:cNvPr id="7" name="Заголовок 1"/>
-          <p:cNvSpPr txBox="1">
-            <a:spLocks/>
-          </p:cNvSpPr>
-          <p:nvPr/>
-        </p:nvSpPr>
-        <p:spPr>
-          <a:xfrm>
-            <a:off x="4000500" y="6429375"/>
-            <a:ext cx="2071688" cy="428625"/>
-          </a:xfrm>
-          <a:prstGeom prst="rect">
-            <a:avLst/>
-          </a:prstGeom>
-        </p:spPr>
-        <p:txBody>
-          <a:bodyPr anchor="ctr">
-            <a:normAutofit fontScale="55000" lnSpcReduction="20000"/>
-          </a:bodyPr>
-          <a:lstStyle/>
-          <a:p>
-            <a:pPr algn="ctr" fontAlgn="auto">
-              <a:spcAft>
-                <a:spcPts val="0"/>
-              </a:spcAft>
-              <a:defRPr/>
-            </a:pPr>
-            <a:r>
-              <a:rPr lang="ru-RU" sz="4400" dirty="0">
-                <a:latin typeface="Times New Roman" pitchFamily="18" charset="0"/>
-                <a:ea typeface="+mj-ea"/>
-                <a:cs typeface="Times New Roman" pitchFamily="18" charset="0"/>
-              </a:rPr>
-              <a:t>Рисунок 5</a:t>
-            </a:r>
-            <a:endParaRPr lang="ru-RU" sz="4400" dirty="0">
-              <a:latin typeface="Times New Roman" pitchFamily="18" charset="0"/>
-              <a:ea typeface="+mj-ea"/>
-              <a:cs typeface="Times New Roman" pitchFamily="18" charset="0"/>
-            </a:endParaRPr>
           </a:p>
         </p:txBody>
       </p:sp>
@@ -10187,96 +10149,6 @@
           </a:graphicData>
         </a:graphic>
       </p:graphicFrame>
-      <p:sp>
-        <p:nvSpPr>
-          <p:cNvPr id="12" name="Заголовок 1"/>
-          <p:cNvSpPr txBox="1">
-            <a:spLocks/>
-          </p:cNvSpPr>
-          <p:nvPr/>
-        </p:nvSpPr>
-        <p:spPr>
-          <a:xfrm>
-            <a:off x="1571625" y="4357688"/>
-            <a:ext cx="2071688" cy="428625"/>
-          </a:xfrm>
-          <a:prstGeom prst="rect">
-            <a:avLst/>
-          </a:prstGeom>
-        </p:spPr>
-        <p:txBody>
-          <a:bodyPr anchor="ctr">
-            <a:normAutofit fontScale="55000" lnSpcReduction="20000"/>
-          </a:bodyPr>
-          <a:lstStyle/>
-          <a:p>
-            <a:pPr algn="ctr" fontAlgn="auto">
-              <a:spcAft>
-                <a:spcPts val="0"/>
-              </a:spcAft>
-              <a:defRPr/>
-            </a:pPr>
-            <a:r>
-              <a:rPr lang="ru-RU" sz="4400" dirty="0">
-                <a:latin typeface="Times New Roman" pitchFamily="18" charset="0"/>
-                <a:ea typeface="+mj-ea"/>
-                <a:cs typeface="Times New Roman" pitchFamily="18" charset="0"/>
-              </a:rPr>
-              <a:t>График 1</a:t>
-            </a:r>
-            <a:endParaRPr lang="ru-RU" sz="4400" dirty="0">
-              <a:latin typeface="Times New Roman" pitchFamily="18" charset="0"/>
-              <a:ea typeface="+mj-ea"/>
-              <a:cs typeface="Times New Roman" pitchFamily="18" charset="0"/>
-            </a:endParaRPr>
-          </a:p>
-        </p:txBody>
-      </p:sp>
-      <p:sp>
-        <p:nvSpPr>
-          <p:cNvPr id="13" name="Заголовок 1"/>
-          <p:cNvSpPr txBox="1">
-            <a:spLocks/>
-          </p:cNvSpPr>
-          <p:nvPr/>
-        </p:nvSpPr>
-        <p:spPr>
-          <a:xfrm>
-            <a:off x="5500688" y="6072188"/>
-            <a:ext cx="2071687" cy="428625"/>
-          </a:xfrm>
-          <a:prstGeom prst="rect">
-            <a:avLst/>
-          </a:prstGeom>
-        </p:spPr>
-        <p:txBody>
-          <a:bodyPr anchor="ctr">
-            <a:normAutofit fontScale="55000" lnSpcReduction="20000"/>
-          </a:bodyPr>
-          <a:lstStyle/>
-          <a:p>
-            <a:pPr algn="ctr" fontAlgn="auto">
-              <a:spcAft>
-                <a:spcPts val="0"/>
-              </a:spcAft>
-              <a:defRPr/>
-            </a:pPr>
-            <a:r>
-              <a:rPr lang="ru-RU" sz="4400" dirty="0">
-                <a:latin typeface="Times New Roman" pitchFamily="18" charset="0"/>
-                <a:ea typeface="+mj-ea"/>
-                <a:cs typeface="Times New Roman" pitchFamily="18" charset="0"/>
-              </a:rPr>
-              <a:t>График 2</a:t>
-            </a:r>
-            <a:endParaRPr lang="ru-RU" sz="4400" dirty="0">
-              <a:latin typeface="Times New Roman" pitchFamily="18" charset="0"/>
-              <a:ea typeface="+mj-ea"/>
-              <a:cs typeface="Times New Roman" pitchFamily="18" charset="0"/>
-            </a:endParaRPr>
-          </a:p>
-        </p:txBody>
-      </p:sp>
       <p:graphicFrame>
         <p:nvGraphicFramePr>
           <p:cNvPr id="8" name="Диаграмма 7"/>
@@ -10316,7 +10188,7 @@
         <a:sysClr val="windowText" lastClr="000000"/>
       </a:dk1>
       <a:lt1>
-        <a:sysClr val="window" lastClr="E0E0E0"/>
+        <a:sysClr val="window" lastClr="FFFFFF"/>
       </a:lt1>
       <a:dk2>
         <a:srgbClr val="1F497D"/>
@@ -10599,7 +10471,7 @@
         <a:sysClr val="windowText" lastClr="000000"/>
       </a:dk1>
       <a:lt1>
-        <a:sysClr val="window" lastClr="E0E0E0"/>
+        <a:sysClr val="window" lastClr="FFFFFF"/>
       </a:lt1>
       <a:dk2>
         <a:srgbClr val="1F497D"/>
